--- a/doc/角色.pptx
+++ b/doc/角色.pptx
@@ -9205,7 +9205,7 @@
         </p:nvSpPr>
         <p:spPr>
           <a:xfrm>
-            <a:off x="712378" y="4454612"/>
+            <a:off x="712378" y="2780554"/>
             <a:ext cx="1728000" cy="576000"/>
           </a:xfrm>
           <a:prstGeom prst="roundRect">
@@ -9297,8 +9297,8 @@
         </p:nvSpPr>
         <p:spPr>
           <a:xfrm>
-            <a:off x="712378" y="5024818"/>
-            <a:ext cx="1728000" cy="694262"/>
+            <a:off x="712378" y="3350760"/>
+            <a:ext cx="4176863" cy="694262"/>
           </a:xfrm>
           <a:prstGeom prst="roundRect">
             <a:avLst>
@@ -9373,7 +9373,107 @@
                 <a:latin typeface="微软雅黑" panose="020B0503020204020204" pitchFamily="34" charset="-122"/>
                 <a:ea typeface="微软雅黑" panose="020B0503020204020204" pitchFamily="34" charset="-122"/>
               </a:rPr>
-              <a:t>id</a:t>
+              <a:t> [1,2,3,4,5] [</a:t>
+            </a:r>
+            <a:r>
+              <a:rPr lang="zh-CN" altLang="en-US" sz="1200" b="1">
+                <a:solidFill>
+                  <a:schemeClr val="tx1"/>
+                </a:solidFill>
+                <a:latin typeface="微软雅黑" panose="020B0503020204020204" pitchFamily="34" charset="-122"/>
+                <a:ea typeface="微软雅黑" panose="020B0503020204020204" pitchFamily="34" charset="-122"/>
+              </a:rPr>
+              <a:t>儿孙辈</a:t>
+            </a:r>
+            <a:r>
+              <a:rPr lang="en-US" altLang="zh-CN" sz="1200" b="1">
+                <a:solidFill>
+                  <a:schemeClr val="tx1"/>
+                </a:solidFill>
+                <a:latin typeface="微软雅黑" panose="020B0503020204020204" pitchFamily="34" charset="-122"/>
+                <a:ea typeface="微软雅黑" panose="020B0503020204020204" pitchFamily="34" charset="-122"/>
+              </a:rPr>
+              <a:t>,</a:t>
+            </a:r>
+            <a:r>
+              <a:rPr lang="zh-CN" altLang="en-US" sz="1200" b="1">
+                <a:solidFill>
+                  <a:schemeClr val="tx1"/>
+                </a:solidFill>
+                <a:latin typeface="微软雅黑" panose="020B0503020204020204" pitchFamily="34" charset="-122"/>
+                <a:ea typeface="微软雅黑" panose="020B0503020204020204" pitchFamily="34" charset="-122"/>
+              </a:rPr>
+              <a:t>同辈</a:t>
+            </a:r>
+            <a:r>
+              <a:rPr lang="en-US" altLang="zh-CN" sz="1200" b="1">
+                <a:solidFill>
+                  <a:schemeClr val="tx1"/>
+                </a:solidFill>
+                <a:latin typeface="微软雅黑" panose="020B0503020204020204" pitchFamily="34" charset="-122"/>
+                <a:ea typeface="微软雅黑" panose="020B0503020204020204" pitchFamily="34" charset="-122"/>
+              </a:rPr>
+              <a:t>,</a:t>
+            </a:r>
+            <a:r>
+              <a:rPr lang="zh-CN" altLang="en-US" sz="1200" b="1">
+                <a:solidFill>
+                  <a:schemeClr val="tx1"/>
+                </a:solidFill>
+                <a:latin typeface="微软雅黑" panose="020B0503020204020204" pitchFamily="34" charset="-122"/>
+                <a:ea typeface="微软雅黑" panose="020B0503020204020204" pitchFamily="34" charset="-122"/>
+              </a:rPr>
+              <a:t>父辈</a:t>
+            </a:r>
+            <a:r>
+              <a:rPr lang="en-US" altLang="zh-CN" sz="1200" b="1">
+                <a:solidFill>
+                  <a:schemeClr val="tx1"/>
+                </a:solidFill>
+                <a:latin typeface="微软雅黑" panose="020B0503020204020204" pitchFamily="34" charset="-122"/>
+                <a:ea typeface="微软雅黑" panose="020B0503020204020204" pitchFamily="34" charset="-122"/>
+              </a:rPr>
+              <a:t>,</a:t>
+            </a:r>
+            <a:r>
+              <a:rPr lang="zh-CN" altLang="en-US" sz="1200" b="1">
+                <a:solidFill>
+                  <a:schemeClr val="tx1"/>
+                </a:solidFill>
+                <a:latin typeface="微软雅黑" panose="020B0503020204020204" pitchFamily="34" charset="-122"/>
+                <a:ea typeface="微软雅黑" panose="020B0503020204020204" pitchFamily="34" charset="-122"/>
+              </a:rPr>
+              <a:t>亲朋好友</a:t>
+            </a:r>
+            <a:r>
+              <a:rPr lang="en-US" altLang="zh-CN" sz="1200" b="1">
+                <a:solidFill>
+                  <a:schemeClr val="tx1"/>
+                </a:solidFill>
+                <a:latin typeface="微软雅黑" panose="020B0503020204020204" pitchFamily="34" charset="-122"/>
+                <a:ea typeface="微软雅黑" panose="020B0503020204020204" pitchFamily="34" charset="-122"/>
+              </a:rPr>
+              <a:t>,</a:t>
+            </a:r>
+            <a:r>
+              <a:rPr lang="zh-CN" altLang="en-US" sz="1200" b="1">
+                <a:solidFill>
+                  <a:schemeClr val="tx1"/>
+                </a:solidFill>
+                <a:latin typeface="微软雅黑" panose="020B0503020204020204" pitchFamily="34" charset="-122"/>
+                <a:ea typeface="微软雅黑" panose="020B0503020204020204" pitchFamily="34" charset="-122"/>
+              </a:rPr>
+              <a:t>祖辈</a:t>
+            </a:r>
+            <a:r>
+              <a:rPr lang="en-US" altLang="zh-CN" sz="1200" b="1">
+                <a:solidFill>
+                  <a:schemeClr val="tx1"/>
+                </a:solidFill>
+                <a:latin typeface="微软雅黑" panose="020B0503020204020204" pitchFamily="34" charset="-122"/>
+                <a:ea typeface="微软雅黑" panose="020B0503020204020204" pitchFamily="34" charset="-122"/>
+              </a:rPr>
+              <a:t>]</a:t>
             </a:r>
           </a:p>
           <a:p>
@@ -9396,10 +9496,10 @@
       </p:sp>
       <p:sp>
         <p:nvSpPr>
-          <p:cNvPr id="33" name="矩形: 圆角 32">
-            <a:extLst>
-              <a:ext uri="{FF2B5EF4-FFF2-40B4-BE49-F238E27FC236}">
-                <a16:creationId xmlns:a16="http://schemas.microsoft.com/office/drawing/2014/main" id="{958250B0-F434-48DA-93F4-472AA687D677}"/>
+          <p:cNvPr id="11" name="矩形: 圆角 10">
+            <a:extLst>
+              <a:ext uri="{FF2B5EF4-FFF2-40B4-BE49-F238E27FC236}">
+                <a16:creationId xmlns:a16="http://schemas.microsoft.com/office/drawing/2014/main" id="{1877FF4B-C4D2-43A6-8CF1-54F59D63A2DB}"/>
               </a:ext>
             </a:extLst>
           </p:cNvPr>
@@ -9408,7 +9508,7 @@
         </p:nvSpPr>
         <p:spPr>
           <a:xfrm>
-            <a:off x="712379" y="3141000"/>
+            <a:off x="712379" y="1138920"/>
             <a:ext cx="1728000" cy="576000"/>
           </a:xfrm>
           <a:prstGeom prst="roundRect">
@@ -9454,7 +9554,7 @@
                 <a:latin typeface="微软雅黑" panose="020B0503020204020204" pitchFamily="34" charset="-122"/>
                 <a:ea typeface="微软雅黑" panose="020B0503020204020204" pitchFamily="34" charset="-122"/>
               </a:rPr>
-              <a:t>关系类型表</a:t>
+              <a:t>角色表</a:t>
             </a:r>
             <a:endParaRPr lang="en-US" altLang="zh-CN" sz="1600" b="1">
               <a:solidFill>
@@ -9474,7 +9574,7 @@
                 <a:latin typeface="微软雅黑" panose="020B0503020204020204" pitchFamily="34" charset="-122"/>
                 <a:ea typeface="微软雅黑" panose="020B0503020204020204" pitchFamily="34" charset="-122"/>
               </a:rPr>
-              <a:t>relation</a:t>
+              <a:t>role</a:t>
             </a:r>
             <a:endParaRPr lang="zh-CN" altLang="en-US" sz="1600" b="1">
               <a:solidFill>
@@ -9488,10 +9588,10 @@
       </p:sp>
       <p:sp>
         <p:nvSpPr>
-          <p:cNvPr id="34" name="矩形: 圆角 33">
-            <a:extLst>
-              <a:ext uri="{FF2B5EF4-FFF2-40B4-BE49-F238E27FC236}">
-                <a16:creationId xmlns:a16="http://schemas.microsoft.com/office/drawing/2014/main" id="{9D23C7EF-5A56-4F33-AF23-257CAC990E34}"/>
+          <p:cNvPr id="12" name="矩形: 圆角 11">
+            <a:extLst>
+              <a:ext uri="{FF2B5EF4-FFF2-40B4-BE49-F238E27FC236}">
+                <a16:creationId xmlns:a16="http://schemas.microsoft.com/office/drawing/2014/main" id="{82B960E9-1ADE-4BE7-98C4-027567DD6A10}"/>
               </a:ext>
             </a:extLst>
           </p:cNvPr>
@@ -9500,8 +9600,8 @@
         </p:nvSpPr>
         <p:spPr>
           <a:xfrm>
-            <a:off x="712378" y="3711206"/>
-            <a:ext cx="3376487" cy="501222"/>
+            <a:off x="712378" y="1709126"/>
+            <a:ext cx="5052733" cy="501222"/>
           </a:xfrm>
           <a:prstGeom prst="roundRect">
             <a:avLst>
@@ -9544,7 +9644,7 @@
                 <a:latin typeface="微软雅黑" panose="020B0503020204020204" pitchFamily="34" charset="-122"/>
                 <a:ea typeface="微软雅黑" panose="020B0503020204020204" pitchFamily="34" charset="-122"/>
               </a:rPr>
-              <a:t>关系类型</a:t>
+              <a:t>用户</a:t>
             </a:r>
             <a:r>
               <a:rPr lang="en-US" altLang="zh-CN" sz="1200" b="1">
@@ -9554,10 +9654,17 @@
                 <a:latin typeface="微软雅黑" panose="020B0503020204020204" pitchFamily="34" charset="-122"/>
                 <a:ea typeface="微软雅黑" panose="020B0503020204020204" pitchFamily="34" charset="-122"/>
               </a:rPr>
-              <a:t>id [1,2,3,4,5]</a:t>
-            </a:r>
-          </a:p>
-          <a:p>
+              <a:t>id</a:t>
+            </a:r>
+            <a:br>
+              <a:rPr lang="en-US" altLang="zh-CN" sz="1200" b="1">
+                <a:solidFill>
+                  <a:schemeClr val="tx1"/>
+                </a:solidFill>
+                <a:latin typeface="微软雅黑" panose="020B0503020204020204" pitchFamily="34" charset="-122"/>
+                <a:ea typeface="微软雅黑" panose="020B0503020204020204" pitchFamily="34" charset="-122"/>
+              </a:rPr>
+            </a:br>
             <a:r>
               <a:rPr lang="zh-CN" altLang="en-US" sz="1200" b="1">
                 <a:solidFill>
@@ -9566,7 +9673,7 @@
                 <a:latin typeface="微软雅黑" panose="020B0503020204020204" pitchFamily="34" charset="-122"/>
                 <a:ea typeface="微软雅黑" panose="020B0503020204020204" pitchFamily="34" charset="-122"/>
               </a:rPr>
-              <a:t>关系类型名称</a:t>
+              <a:t>角色类型 </a:t>
             </a:r>
             <a:r>
               <a:rPr lang="en-US" altLang="zh-CN" sz="1200" b="1">
@@ -9576,7 +9683,7 @@
                 <a:latin typeface="微软雅黑" panose="020B0503020204020204" pitchFamily="34" charset="-122"/>
                 <a:ea typeface="微软雅黑" panose="020B0503020204020204" pitchFamily="34" charset="-122"/>
               </a:rPr>
-              <a:t>(</a:t>
+              <a:t>[1~5] [</a:t>
             </a:r>
             <a:r>
               <a:rPr lang="zh-CN" altLang="en-US" sz="1200" b="1">
@@ -9586,7 +9693,7 @@
                 <a:latin typeface="微软雅黑" panose="020B0503020204020204" pitchFamily="34" charset="-122"/>
                 <a:ea typeface="微软雅黑" panose="020B0503020204020204" pitchFamily="34" charset="-122"/>
               </a:rPr>
-              <a:t>儿孙辈</a:t>
+              <a:t>游客</a:t>
             </a:r>
             <a:r>
               <a:rPr lang="en-US" altLang="zh-CN" sz="1200" b="1">
@@ -9606,7 +9713,7 @@
                 <a:latin typeface="微软雅黑" panose="020B0503020204020204" pitchFamily="34" charset="-122"/>
                 <a:ea typeface="微软雅黑" panose="020B0503020204020204" pitchFamily="34" charset="-122"/>
               </a:rPr>
-              <a:t>同辈</a:t>
+              <a:t>用户</a:t>
             </a:r>
             <a:r>
               <a:rPr lang="en-US" altLang="zh-CN" sz="1200" b="1">
@@ -9626,7 +9733,7 @@
                 <a:latin typeface="微软雅黑" panose="020B0503020204020204" pitchFamily="34" charset="-122"/>
                 <a:ea typeface="微软雅黑" panose="020B0503020204020204" pitchFamily="34" charset="-122"/>
               </a:rPr>
-              <a:t>父辈</a:t>
+              <a:t>逝者</a:t>
             </a:r>
             <a:r>
               <a:rPr lang="en-US" altLang="zh-CN" sz="1200" b="1">
@@ -9646,7 +9753,7 @@
                 <a:latin typeface="微软雅黑" panose="020B0503020204020204" pitchFamily="34" charset="-122"/>
                 <a:ea typeface="微软雅黑" panose="020B0503020204020204" pitchFamily="34" charset="-122"/>
               </a:rPr>
-              <a:t>亲朋好友</a:t>
+              <a:t>寺院</a:t>
             </a:r>
             <a:r>
               <a:rPr lang="en-US" altLang="zh-CN" sz="1200" b="1">
@@ -9666,7 +9773,7 @@
                 <a:latin typeface="微软雅黑" panose="020B0503020204020204" pitchFamily="34" charset="-122"/>
                 <a:ea typeface="微软雅黑" panose="020B0503020204020204" pitchFamily="34" charset="-122"/>
               </a:rPr>
-              <a:t>祖辈</a:t>
+              <a:t>法师</a:t>
             </a:r>
             <a:r>
               <a:rPr lang="en-US" altLang="zh-CN" sz="1200" b="1">
@@ -9676,476 +9783,7 @@
                 <a:latin typeface="微软雅黑" panose="020B0503020204020204" pitchFamily="34" charset="-122"/>
                 <a:ea typeface="微软雅黑" panose="020B0503020204020204" pitchFamily="34" charset="-122"/>
               </a:rPr>
-              <a:t>)</a:t>
-            </a:r>
-            <a:endParaRPr lang="zh-CN" altLang="en-US" sz="1200">
-              <a:latin typeface="微软雅黑" panose="020B0503020204020204" pitchFamily="34" charset="-122"/>
-              <a:ea typeface="微软雅黑" panose="020B0503020204020204" pitchFamily="34" charset="-122"/>
-            </a:endParaRPr>
-          </a:p>
-        </p:txBody>
-      </p:sp>
-      <p:sp>
-        <p:nvSpPr>
-          <p:cNvPr id="9" name="矩形: 圆角 8">
-            <a:extLst>
-              <a:ext uri="{FF2B5EF4-FFF2-40B4-BE49-F238E27FC236}">
-                <a16:creationId xmlns:a16="http://schemas.microsoft.com/office/drawing/2014/main" id="{0FCA30D1-44F4-4508-A373-A08B24A715A4}"/>
-              </a:ext>
-            </a:extLst>
-          </p:cNvPr>
-          <p:cNvSpPr/>
-          <p:nvPr/>
-        </p:nvSpPr>
-        <p:spPr>
-          <a:xfrm>
-            <a:off x="712379" y="1254707"/>
-            <a:ext cx="1728000" cy="576000"/>
-          </a:xfrm>
-          <a:prstGeom prst="roundRect">
-            <a:avLst/>
-          </a:prstGeom>
-          <a:solidFill>
-            <a:schemeClr val="bg1">
-              <a:lumMod val="95000"/>
-            </a:schemeClr>
-          </a:solidFill>
-          <a:ln>
-            <a:solidFill>
-              <a:schemeClr val="tx1"/>
-            </a:solidFill>
-          </a:ln>
-        </p:spPr>
-        <p:style>
-          <a:lnRef idx="2">
-            <a:schemeClr val="accent1">
-              <a:shade val="50000"/>
-            </a:schemeClr>
-          </a:lnRef>
-          <a:fillRef idx="1">
-            <a:schemeClr val="accent1"/>
-          </a:fillRef>
-          <a:effectRef idx="0">
-            <a:schemeClr val="accent1"/>
-          </a:effectRef>
-          <a:fontRef idx="minor">
-            <a:schemeClr val="lt1"/>
-          </a:fontRef>
-        </p:style>
-        <p:txBody>
-          <a:bodyPr wrap="none" lIns="36000" tIns="36000" rIns="36000" bIns="36000" rtlCol="0" anchor="ctr" anchorCtr="0"/>
-          <a:lstStyle/>
-          <a:p>
-            <a:pPr algn="ctr"/>
-            <a:r>
-              <a:rPr lang="zh-CN" altLang="en-US" sz="1600" b="1">
-                <a:solidFill>
-                  <a:schemeClr val="tx1"/>
-                </a:solidFill>
-                <a:latin typeface="微软雅黑" panose="020B0503020204020204" pitchFamily="34" charset="-122"/>
-                <a:ea typeface="微软雅黑" panose="020B0503020204020204" pitchFamily="34" charset="-122"/>
-              </a:rPr>
-              <a:t>角色类型表</a:t>
-            </a:r>
-            <a:endParaRPr lang="en-US" altLang="zh-CN" sz="1600" b="1">
-              <a:solidFill>
-                <a:schemeClr val="tx1"/>
-              </a:solidFill>
-              <a:latin typeface="微软雅黑" panose="020B0503020204020204" pitchFamily="34" charset="-122"/>
-              <a:ea typeface="微软雅黑" panose="020B0503020204020204" pitchFamily="34" charset="-122"/>
-            </a:endParaRPr>
-          </a:p>
-          <a:p>
-            <a:pPr algn="ctr"/>
-            <a:r>
-              <a:rPr lang="en-US" altLang="zh-CN" sz="1600" b="1" err="1">
-                <a:solidFill>
-                  <a:schemeClr val="tx1"/>
-                </a:solidFill>
-                <a:latin typeface="微软雅黑" panose="020B0503020204020204" pitchFamily="34" charset="-122"/>
-                <a:ea typeface="微软雅黑" panose="020B0503020204020204" pitchFamily="34" charset="-122"/>
-              </a:rPr>
-              <a:t>role_type</a:t>
-            </a:r>
-            <a:endParaRPr lang="zh-CN" altLang="en-US" sz="1600" b="1">
-              <a:solidFill>
-                <a:schemeClr val="tx1"/>
-              </a:solidFill>
-              <a:latin typeface="微软雅黑" panose="020B0503020204020204" pitchFamily="34" charset="-122"/>
-              <a:ea typeface="微软雅黑" panose="020B0503020204020204" pitchFamily="34" charset="-122"/>
-            </a:endParaRPr>
-          </a:p>
-        </p:txBody>
-      </p:sp>
-      <p:sp>
-        <p:nvSpPr>
-          <p:cNvPr id="10" name="矩形: 圆角 9">
-            <a:extLst>
-              <a:ext uri="{FF2B5EF4-FFF2-40B4-BE49-F238E27FC236}">
-                <a16:creationId xmlns:a16="http://schemas.microsoft.com/office/drawing/2014/main" id="{A1CE96F0-40BD-4F00-83AB-6EEAC393B28F}"/>
-              </a:ext>
-            </a:extLst>
-          </p:cNvPr>
-          <p:cNvSpPr/>
-          <p:nvPr/>
-        </p:nvSpPr>
-        <p:spPr>
-          <a:xfrm>
-            <a:off x="712379" y="1824913"/>
-            <a:ext cx="2469890" cy="501222"/>
-          </a:xfrm>
-          <a:prstGeom prst="roundRect">
-            <a:avLst>
-              <a:gd name="adj" fmla="val 5494"/>
-            </a:avLst>
-          </a:prstGeom>
-          <a:noFill/>
-          <a:ln>
-            <a:solidFill>
-              <a:schemeClr val="tx2"/>
-            </a:solidFill>
-            <a:prstDash val="dash"/>
-          </a:ln>
-        </p:spPr>
-        <p:style>
-          <a:lnRef idx="2">
-            <a:schemeClr val="accent1">
-              <a:shade val="50000"/>
-            </a:schemeClr>
-          </a:lnRef>
-          <a:fillRef idx="1">
-            <a:schemeClr val="accent1"/>
-          </a:fillRef>
-          <a:effectRef idx="0">
-            <a:schemeClr val="accent1"/>
-          </a:effectRef>
-          <a:fontRef idx="minor">
-            <a:schemeClr val="lt1"/>
-          </a:fontRef>
-        </p:style>
-        <p:txBody>
-          <a:bodyPr rtlCol="0" anchor="b" anchorCtr="0"/>
-          <a:lstStyle/>
-          <a:p>
-            <a:r>
-              <a:rPr lang="en-US" altLang="zh-CN" sz="1200" b="1">
-                <a:solidFill>
-                  <a:schemeClr val="tx1"/>
-                </a:solidFill>
-                <a:latin typeface="微软雅黑" panose="020B0503020204020204" pitchFamily="34" charset="-122"/>
-                <a:ea typeface="微软雅黑" panose="020B0503020204020204" pitchFamily="34" charset="-122"/>
-              </a:rPr>
-              <a:t>id [1,2,3,4,5]</a:t>
-            </a:r>
-          </a:p>
-          <a:p>
-            <a:r>
-              <a:rPr lang="en-US" altLang="zh-CN" sz="1200" b="1">
-                <a:solidFill>
-                  <a:schemeClr val="tx1"/>
-                </a:solidFill>
-                <a:latin typeface="微软雅黑" panose="020B0503020204020204" pitchFamily="34" charset="-122"/>
-                <a:ea typeface="微软雅黑" panose="020B0503020204020204" pitchFamily="34" charset="-122"/>
-              </a:rPr>
-              <a:t>name [</a:t>
-            </a:r>
-            <a:r>
-              <a:rPr lang="zh-CN" altLang="en-US" sz="1200" b="1">
-                <a:solidFill>
-                  <a:schemeClr val="tx1"/>
-                </a:solidFill>
-                <a:latin typeface="微软雅黑" panose="020B0503020204020204" pitchFamily="34" charset="-122"/>
-                <a:ea typeface="微软雅黑" panose="020B0503020204020204" pitchFamily="34" charset="-122"/>
-              </a:rPr>
-              <a:t>游客</a:t>
-            </a:r>
-            <a:r>
-              <a:rPr lang="en-US" altLang="zh-CN" sz="1200" b="1">
-                <a:solidFill>
-                  <a:schemeClr val="tx1"/>
-                </a:solidFill>
-                <a:latin typeface="微软雅黑" panose="020B0503020204020204" pitchFamily="34" charset="-122"/>
-                <a:ea typeface="微软雅黑" panose="020B0503020204020204" pitchFamily="34" charset="-122"/>
-              </a:rPr>
-              <a:t>,</a:t>
-            </a:r>
-            <a:r>
-              <a:rPr lang="zh-CN" altLang="en-US" sz="1200" b="1">
-                <a:solidFill>
-                  <a:schemeClr val="tx1"/>
-                </a:solidFill>
-                <a:latin typeface="微软雅黑" panose="020B0503020204020204" pitchFamily="34" charset="-122"/>
-                <a:ea typeface="微软雅黑" panose="020B0503020204020204" pitchFamily="34" charset="-122"/>
-              </a:rPr>
-              <a:t>用户</a:t>
-            </a:r>
-            <a:r>
-              <a:rPr lang="en-US" altLang="zh-CN" sz="1200" b="1">
-                <a:solidFill>
-                  <a:schemeClr val="tx1"/>
-                </a:solidFill>
-                <a:latin typeface="微软雅黑" panose="020B0503020204020204" pitchFamily="34" charset="-122"/>
-                <a:ea typeface="微软雅黑" panose="020B0503020204020204" pitchFamily="34" charset="-122"/>
-              </a:rPr>
-              <a:t>,</a:t>
-            </a:r>
-            <a:r>
-              <a:rPr lang="zh-CN" altLang="en-US" sz="1200" b="1">
-                <a:solidFill>
-                  <a:schemeClr val="tx1"/>
-                </a:solidFill>
-                <a:latin typeface="微软雅黑" panose="020B0503020204020204" pitchFamily="34" charset="-122"/>
-                <a:ea typeface="微软雅黑" panose="020B0503020204020204" pitchFamily="34" charset="-122"/>
-              </a:rPr>
-              <a:t>逝者</a:t>
-            </a:r>
-            <a:r>
-              <a:rPr lang="en-US" altLang="zh-CN" sz="1200" b="1">
-                <a:solidFill>
-                  <a:schemeClr val="tx1"/>
-                </a:solidFill>
-                <a:latin typeface="微软雅黑" panose="020B0503020204020204" pitchFamily="34" charset="-122"/>
-                <a:ea typeface="微软雅黑" panose="020B0503020204020204" pitchFamily="34" charset="-122"/>
-              </a:rPr>
-              <a:t>,</a:t>
-            </a:r>
-            <a:r>
-              <a:rPr lang="zh-CN" altLang="en-US" sz="1200" b="1">
-                <a:solidFill>
-                  <a:schemeClr val="tx1"/>
-                </a:solidFill>
-                <a:latin typeface="微软雅黑" panose="020B0503020204020204" pitchFamily="34" charset="-122"/>
-                <a:ea typeface="微软雅黑" panose="020B0503020204020204" pitchFamily="34" charset="-122"/>
-              </a:rPr>
-              <a:t>寺院</a:t>
-            </a:r>
-            <a:r>
-              <a:rPr lang="en-US" altLang="zh-CN" sz="1200" b="1">
-                <a:solidFill>
-                  <a:schemeClr val="tx1"/>
-                </a:solidFill>
-                <a:latin typeface="微软雅黑" panose="020B0503020204020204" pitchFamily="34" charset="-122"/>
-                <a:ea typeface="微软雅黑" panose="020B0503020204020204" pitchFamily="34" charset="-122"/>
-              </a:rPr>
-              <a:t>,</a:t>
-            </a:r>
-            <a:r>
-              <a:rPr lang="zh-CN" altLang="en-US" sz="1200" b="1">
-                <a:solidFill>
-                  <a:schemeClr val="tx1"/>
-                </a:solidFill>
-                <a:latin typeface="微软雅黑" panose="020B0503020204020204" pitchFamily="34" charset="-122"/>
-                <a:ea typeface="微软雅黑" panose="020B0503020204020204" pitchFamily="34" charset="-122"/>
-              </a:rPr>
-              <a:t>法师</a:t>
-            </a:r>
-            <a:r>
-              <a:rPr lang="en-US" altLang="zh-CN" sz="1200" b="1">
-                <a:solidFill>
-                  <a:schemeClr val="tx1"/>
-                </a:solidFill>
-                <a:latin typeface="微软雅黑" panose="020B0503020204020204" pitchFamily="34" charset="-122"/>
-                <a:ea typeface="微软雅黑" panose="020B0503020204020204" pitchFamily="34" charset="-122"/>
-              </a:rPr>
-              <a:t>]</a:t>
-            </a:r>
-            <a:endParaRPr lang="zh-CN" altLang="en-US" sz="1200">
-              <a:latin typeface="微软雅黑" panose="020B0503020204020204" pitchFamily="34" charset="-122"/>
-              <a:ea typeface="微软雅黑" panose="020B0503020204020204" pitchFamily="34" charset="-122"/>
-            </a:endParaRPr>
-          </a:p>
-        </p:txBody>
-      </p:sp>
-      <p:sp>
-        <p:nvSpPr>
-          <p:cNvPr id="11" name="矩形: 圆角 10">
-            <a:extLst>
-              <a:ext uri="{FF2B5EF4-FFF2-40B4-BE49-F238E27FC236}">
-                <a16:creationId xmlns:a16="http://schemas.microsoft.com/office/drawing/2014/main" id="{1877FF4B-C4D2-43A6-8CF1-54F59D63A2DB}"/>
-              </a:ext>
-            </a:extLst>
-          </p:cNvPr>
-          <p:cNvSpPr/>
-          <p:nvPr/>
-        </p:nvSpPr>
-        <p:spPr>
-          <a:xfrm>
-            <a:off x="4193905" y="1253047"/>
-            <a:ext cx="1728000" cy="576000"/>
-          </a:xfrm>
-          <a:prstGeom prst="roundRect">
-            <a:avLst/>
-          </a:prstGeom>
-          <a:solidFill>
-            <a:schemeClr val="bg1">
-              <a:lumMod val="95000"/>
-            </a:schemeClr>
-          </a:solidFill>
-          <a:ln>
-            <a:solidFill>
-              <a:schemeClr val="tx1"/>
-            </a:solidFill>
-          </a:ln>
-        </p:spPr>
-        <p:style>
-          <a:lnRef idx="2">
-            <a:schemeClr val="accent1">
-              <a:shade val="50000"/>
-            </a:schemeClr>
-          </a:lnRef>
-          <a:fillRef idx="1">
-            <a:schemeClr val="accent1"/>
-          </a:fillRef>
-          <a:effectRef idx="0">
-            <a:schemeClr val="accent1"/>
-          </a:effectRef>
-          <a:fontRef idx="minor">
-            <a:schemeClr val="lt1"/>
-          </a:fontRef>
-        </p:style>
-        <p:txBody>
-          <a:bodyPr wrap="none" lIns="36000" tIns="36000" rIns="36000" bIns="36000" rtlCol="0" anchor="ctr" anchorCtr="0"/>
-          <a:lstStyle/>
-          <a:p>
-            <a:pPr algn="ctr"/>
-            <a:r>
-              <a:rPr lang="zh-CN" altLang="en-US" sz="1600" b="1">
-                <a:solidFill>
-                  <a:schemeClr val="tx1"/>
-                </a:solidFill>
-                <a:latin typeface="微软雅黑" panose="020B0503020204020204" pitchFamily="34" charset="-122"/>
-                <a:ea typeface="微软雅黑" panose="020B0503020204020204" pitchFamily="34" charset="-122"/>
-              </a:rPr>
-              <a:t>角色表</a:t>
-            </a:r>
-            <a:endParaRPr lang="en-US" altLang="zh-CN" sz="1600" b="1">
-              <a:solidFill>
-                <a:schemeClr val="tx1"/>
-              </a:solidFill>
-              <a:latin typeface="微软雅黑" panose="020B0503020204020204" pitchFamily="34" charset="-122"/>
-              <a:ea typeface="微软雅黑" panose="020B0503020204020204" pitchFamily="34" charset="-122"/>
-            </a:endParaRPr>
-          </a:p>
-          <a:p>
-            <a:pPr algn="ctr"/>
-            <a:r>
-              <a:rPr lang="en-US" altLang="zh-CN" sz="1600" b="1">
-                <a:solidFill>
-                  <a:schemeClr val="tx1"/>
-                </a:solidFill>
-                <a:latin typeface="微软雅黑" panose="020B0503020204020204" pitchFamily="34" charset="-122"/>
-                <a:ea typeface="微软雅黑" panose="020B0503020204020204" pitchFamily="34" charset="-122"/>
-              </a:rPr>
-              <a:t>role</a:t>
-            </a:r>
-            <a:endParaRPr lang="zh-CN" altLang="en-US" sz="1600" b="1">
-              <a:solidFill>
-                <a:schemeClr val="tx1"/>
-              </a:solidFill>
-              <a:latin typeface="微软雅黑" panose="020B0503020204020204" pitchFamily="34" charset="-122"/>
-              <a:ea typeface="微软雅黑" panose="020B0503020204020204" pitchFamily="34" charset="-122"/>
-            </a:endParaRPr>
-          </a:p>
-        </p:txBody>
-      </p:sp>
-      <p:sp>
-        <p:nvSpPr>
-          <p:cNvPr id="12" name="矩形: 圆角 11">
-            <a:extLst>
-              <a:ext uri="{FF2B5EF4-FFF2-40B4-BE49-F238E27FC236}">
-                <a16:creationId xmlns:a16="http://schemas.microsoft.com/office/drawing/2014/main" id="{82B960E9-1ADE-4BE7-98C4-027567DD6A10}"/>
-              </a:ext>
-            </a:extLst>
-          </p:cNvPr>
-          <p:cNvSpPr/>
-          <p:nvPr/>
-        </p:nvSpPr>
-        <p:spPr>
-          <a:xfrm>
-            <a:off x="4193904" y="1823253"/>
-            <a:ext cx="2792821" cy="501222"/>
-          </a:xfrm>
-          <a:prstGeom prst="roundRect">
-            <a:avLst>
-              <a:gd name="adj" fmla="val 5494"/>
-            </a:avLst>
-          </a:prstGeom>
-          <a:noFill/>
-          <a:ln>
-            <a:solidFill>
-              <a:schemeClr val="tx2"/>
-            </a:solidFill>
-            <a:prstDash val="dash"/>
-          </a:ln>
-        </p:spPr>
-        <p:style>
-          <a:lnRef idx="2">
-            <a:schemeClr val="accent1">
-              <a:shade val="50000"/>
-            </a:schemeClr>
-          </a:lnRef>
-          <a:fillRef idx="1">
-            <a:schemeClr val="accent1"/>
-          </a:fillRef>
-          <a:effectRef idx="0">
-            <a:schemeClr val="accent1"/>
-          </a:effectRef>
-          <a:fontRef idx="minor">
-            <a:schemeClr val="lt1"/>
-          </a:fontRef>
-        </p:style>
-        <p:txBody>
-          <a:bodyPr rtlCol="0" anchor="b" anchorCtr="0"/>
-          <a:lstStyle/>
-          <a:p>
-            <a:r>
-              <a:rPr lang="zh-CN" altLang="en-US" sz="1200" b="1">
-                <a:solidFill>
-                  <a:schemeClr val="tx1"/>
-                </a:solidFill>
-                <a:latin typeface="微软雅黑" panose="020B0503020204020204" pitchFamily="34" charset="-122"/>
-                <a:ea typeface="微软雅黑" panose="020B0503020204020204" pitchFamily="34" charset="-122"/>
-              </a:rPr>
-              <a:t>用户</a:t>
-            </a:r>
-            <a:r>
-              <a:rPr lang="en-US" altLang="zh-CN" sz="1200" b="1">
-                <a:solidFill>
-                  <a:schemeClr val="tx1"/>
-                </a:solidFill>
-                <a:latin typeface="微软雅黑" panose="020B0503020204020204" pitchFamily="34" charset="-122"/>
-                <a:ea typeface="微软雅黑" panose="020B0503020204020204" pitchFamily="34" charset="-122"/>
-              </a:rPr>
-              <a:t>id</a:t>
-            </a:r>
-            <a:br>
-              <a:rPr lang="en-US" altLang="zh-CN" sz="1200" b="1">
-                <a:solidFill>
-                  <a:schemeClr val="tx1"/>
-                </a:solidFill>
-                <a:latin typeface="微软雅黑" panose="020B0503020204020204" pitchFamily="34" charset="-122"/>
-                <a:ea typeface="微软雅黑" panose="020B0503020204020204" pitchFamily="34" charset="-122"/>
-              </a:rPr>
-            </a:br>
-            <a:r>
-              <a:rPr lang="zh-CN" altLang="en-US" sz="1200" b="1">
-                <a:solidFill>
-                  <a:schemeClr val="tx1"/>
-                </a:solidFill>
-                <a:latin typeface="微软雅黑" panose="020B0503020204020204" pitchFamily="34" charset="-122"/>
-                <a:ea typeface="微软雅黑" panose="020B0503020204020204" pitchFamily="34" charset="-122"/>
-              </a:rPr>
-              <a:t>角色类型 </a:t>
-            </a:r>
-            <a:r>
-              <a:rPr lang="en-US" altLang="zh-CN" sz="1200" b="1">
-                <a:solidFill>
-                  <a:schemeClr val="tx1"/>
-                </a:solidFill>
-                <a:latin typeface="微软雅黑" panose="020B0503020204020204" pitchFamily="34" charset="-122"/>
-                <a:ea typeface="微软雅黑" panose="020B0503020204020204" pitchFamily="34" charset="-122"/>
-              </a:rPr>
-              <a:t>| </a:t>
+              <a:t>] </a:t>
             </a:r>
             <a:r>
               <a:rPr lang="zh-CN" altLang="en-US" sz="1200" b="1">
@@ -11332,8 +10970,8 @@
         </p:nvSpPr>
         <p:spPr>
           <a:xfrm>
-            <a:off x="471489" y="1829460"/>
-            <a:ext cx="1728000" cy="2875706"/>
+            <a:off x="471489" y="1829461"/>
+            <a:ext cx="1728000" cy="2033412"/>
           </a:xfrm>
           <a:prstGeom prst="roundRect">
             <a:avLst>
@@ -11398,7 +11036,7 @@
                 <a:latin typeface="微软雅黑" panose="020B0503020204020204" pitchFamily="34" charset="-122"/>
                 <a:ea typeface="微软雅黑" panose="020B0503020204020204" pitchFamily="34" charset="-122"/>
               </a:rPr>
-              <a:t>昵称</a:t>
+              <a:t>姓名</a:t>
             </a:r>
             <a:endParaRPr lang="en-US" altLang="zh-CN" sz="1200" b="1">
               <a:solidFill>
@@ -11417,7 +11055,7 @@
                 <a:latin typeface="微软雅黑" panose="020B0503020204020204" pitchFamily="34" charset="-122"/>
                 <a:ea typeface="微软雅黑" panose="020B0503020204020204" pitchFamily="34" charset="-122"/>
               </a:rPr>
-              <a:t>姓名</a:t>
+              <a:t>性别</a:t>
             </a:r>
             <a:endParaRPr lang="en-US" altLang="zh-CN" sz="1200" b="1">
               <a:solidFill>
@@ -11436,7 +11074,7 @@
                 <a:latin typeface="微软雅黑" panose="020B0503020204020204" pitchFamily="34" charset="-122"/>
                 <a:ea typeface="微软雅黑" panose="020B0503020204020204" pitchFamily="34" charset="-122"/>
               </a:rPr>
-              <a:t>性别</a:t>
+              <a:t>出生地址</a:t>
             </a:r>
             <a:endParaRPr lang="en-US" altLang="zh-CN" sz="1200" b="1">
               <a:solidFill>
@@ -11455,7 +11093,26 @@
                 <a:latin typeface="微软雅黑" panose="020B0503020204020204" pitchFamily="34" charset="-122"/>
                 <a:ea typeface="微软雅黑" panose="020B0503020204020204" pitchFamily="34" charset="-122"/>
               </a:rPr>
-              <a:t>手机号</a:t>
+              <a:t>逝世地址</a:t>
+            </a:r>
+            <a:br>
+              <a:rPr lang="en-US" altLang="zh-CN" sz="1200" b="1">
+                <a:solidFill>
+                  <a:schemeClr val="tx1"/>
+                </a:solidFill>
+                <a:latin typeface="微软雅黑" panose="020B0503020204020204" pitchFamily="34" charset="-122"/>
+                <a:ea typeface="微软雅黑" panose="020B0503020204020204" pitchFamily="34" charset="-122"/>
+              </a:rPr>
+            </a:br>
+            <a:r>
+              <a:rPr lang="zh-CN" altLang="en-US" sz="1200" b="1">
+                <a:solidFill>
+                  <a:schemeClr val="tx1"/>
+                </a:solidFill>
+                <a:latin typeface="微软雅黑" panose="020B0503020204020204" pitchFamily="34" charset="-122"/>
+                <a:ea typeface="微软雅黑" panose="020B0503020204020204" pitchFamily="34" charset="-122"/>
+              </a:rPr>
+              <a:t>出生年月日</a:t>
             </a:r>
             <a:endParaRPr lang="en-US" altLang="zh-CN" sz="1200" b="1">
               <a:solidFill>
@@ -11474,64 +11131,7 @@
                 <a:latin typeface="微软雅黑" panose="020B0503020204020204" pitchFamily="34" charset="-122"/>
                 <a:ea typeface="微软雅黑" panose="020B0503020204020204" pitchFamily="34" charset="-122"/>
               </a:rPr>
-              <a:t>微信号</a:t>
-            </a:r>
-            <a:br>
-              <a:rPr lang="en-US" altLang="zh-CN" sz="1200" b="1">
-                <a:solidFill>
-                  <a:schemeClr val="tx1"/>
-                </a:solidFill>
-                <a:latin typeface="微软雅黑" panose="020B0503020204020204" pitchFamily="34" charset="-122"/>
-                <a:ea typeface="微软雅黑" panose="020B0503020204020204" pitchFamily="34" charset="-122"/>
-              </a:rPr>
-            </a:br>
-            <a:r>
-              <a:rPr lang="zh-CN" altLang="en-US" sz="1200" b="1">
-                <a:solidFill>
-                  <a:schemeClr val="tx1"/>
-                </a:solidFill>
-                <a:latin typeface="微软雅黑" panose="020B0503020204020204" pitchFamily="34" charset="-122"/>
-                <a:ea typeface="微软雅黑" panose="020B0503020204020204" pitchFamily="34" charset="-122"/>
-              </a:rPr>
-              <a:t>邮箱</a:t>
-            </a:r>
-            <a:br>
-              <a:rPr lang="en-US" altLang="zh-CN" sz="1200" b="1">
-                <a:solidFill>
-                  <a:schemeClr val="tx1"/>
-                </a:solidFill>
-                <a:latin typeface="微软雅黑" panose="020B0503020204020204" pitchFamily="34" charset="-122"/>
-                <a:ea typeface="微软雅黑" panose="020B0503020204020204" pitchFamily="34" charset="-122"/>
-              </a:rPr>
-            </a:br>
-            <a:r>
-              <a:rPr lang="zh-CN" altLang="en-US" sz="1200" b="1">
-                <a:solidFill>
-                  <a:schemeClr val="tx1"/>
-                </a:solidFill>
-                <a:latin typeface="微软雅黑" panose="020B0503020204020204" pitchFamily="34" charset="-122"/>
-                <a:ea typeface="微软雅黑" panose="020B0503020204020204" pitchFamily="34" charset="-122"/>
-              </a:rPr>
-              <a:t>家庭地址</a:t>
-            </a:r>
-            <a:br>
-              <a:rPr lang="en-US" altLang="zh-CN" sz="1200" b="1">
-                <a:solidFill>
-                  <a:schemeClr val="tx1"/>
-                </a:solidFill>
-                <a:latin typeface="微软雅黑" panose="020B0503020204020204" pitchFamily="34" charset="-122"/>
-                <a:ea typeface="微软雅黑" panose="020B0503020204020204" pitchFamily="34" charset="-122"/>
-              </a:rPr>
-            </a:br>
-            <a:r>
-              <a:rPr lang="zh-CN" altLang="en-US" sz="1200" b="1">
-                <a:solidFill>
-                  <a:schemeClr val="tx1"/>
-                </a:solidFill>
-                <a:latin typeface="微软雅黑" panose="020B0503020204020204" pitchFamily="34" charset="-122"/>
-                <a:ea typeface="微软雅黑" panose="020B0503020204020204" pitchFamily="34" charset="-122"/>
-              </a:rPr>
-              <a:t>出生年月日</a:t>
+              <a:t>逝世年月日</a:t>
             </a:r>
             <a:endParaRPr lang="en-US" altLang="zh-CN" sz="1200" b="1">
               <a:solidFill>
@@ -11588,292 +11188,7 @@
                 <a:latin typeface="微软雅黑" panose="020B0503020204020204" pitchFamily="34" charset="-122"/>
                 <a:ea typeface="微软雅黑" panose="020B0503020204020204" pitchFamily="34" charset="-122"/>
               </a:rPr>
-              <a:t>逝世年月日</a:t>
-            </a:r>
-            <a:endParaRPr lang="en-US" altLang="zh-CN" sz="1200" b="1">
-              <a:solidFill>
-                <a:schemeClr val="tx1"/>
-              </a:solidFill>
-              <a:latin typeface="微软雅黑" panose="020B0503020204020204" pitchFamily="34" charset="-122"/>
-              <a:ea typeface="微软雅黑" panose="020B0503020204020204" pitchFamily="34" charset="-122"/>
-            </a:endParaRPr>
-          </a:p>
-          <a:p>
-            <a:r>
-              <a:rPr lang="zh-CN" altLang="en-US" sz="1200" b="1">
-                <a:solidFill>
-                  <a:schemeClr val="tx1"/>
-                </a:solidFill>
-                <a:latin typeface="微软雅黑" panose="020B0503020204020204" pitchFamily="34" charset="-122"/>
-                <a:ea typeface="微软雅黑" panose="020B0503020204020204" pitchFamily="34" charset="-122"/>
-              </a:rPr>
-              <a:t>照片哈希</a:t>
-            </a:r>
-            <a:endParaRPr lang="en-US" altLang="zh-CN" sz="1200" b="1">
-              <a:solidFill>
-                <a:schemeClr val="tx1"/>
-              </a:solidFill>
-              <a:latin typeface="微软雅黑" panose="020B0503020204020204" pitchFamily="34" charset="-122"/>
-              <a:ea typeface="微软雅黑" panose="020B0503020204020204" pitchFamily="34" charset="-122"/>
-            </a:endParaRPr>
-          </a:p>
-          <a:p>
-            <a:r>
-              <a:rPr lang="zh-CN" altLang="en-US" sz="1200" b="1">
-                <a:solidFill>
-                  <a:schemeClr val="tx1"/>
-                </a:solidFill>
-                <a:latin typeface="微软雅黑" panose="020B0503020204020204" pitchFamily="34" charset="-122"/>
-                <a:ea typeface="微软雅黑" panose="020B0503020204020204" pitchFamily="34" charset="-122"/>
-              </a:rPr>
               <a:t>简介</a:t>
-            </a:r>
-            <a:endParaRPr lang="en-US" altLang="zh-CN" sz="1200" b="1">
-              <a:solidFill>
-                <a:schemeClr val="tx1"/>
-              </a:solidFill>
-              <a:latin typeface="微软雅黑" panose="020B0503020204020204" pitchFamily="34" charset="-122"/>
-              <a:ea typeface="微软雅黑" panose="020B0503020204020204" pitchFamily="34" charset="-122"/>
-            </a:endParaRPr>
-          </a:p>
-          <a:p>
-            <a:r>
-              <a:rPr lang="zh-CN" altLang="en-US" sz="1200" b="1">
-                <a:solidFill>
-                  <a:schemeClr val="tx1"/>
-                </a:solidFill>
-                <a:latin typeface="微软雅黑" panose="020B0503020204020204" pitchFamily="34" charset="-122"/>
-                <a:ea typeface="微软雅黑" panose="020B0503020204020204" pitchFamily="34" charset="-122"/>
-              </a:rPr>
-              <a:t>历史</a:t>
-            </a:r>
-            <a:r>
-              <a:rPr lang="en-US" altLang="zh-CN" sz="1200" b="1">
-                <a:solidFill>
-                  <a:schemeClr val="tx1"/>
-                </a:solidFill>
-                <a:latin typeface="微软雅黑" panose="020B0503020204020204" pitchFamily="34" charset="-122"/>
-                <a:ea typeface="微软雅黑" panose="020B0503020204020204" pitchFamily="34" charset="-122"/>
-              </a:rPr>
-              <a:t>id</a:t>
-            </a:r>
-          </a:p>
-        </p:txBody>
-      </p:sp>
-      <p:sp>
-        <p:nvSpPr>
-          <p:cNvPr id="26" name="矩形: 圆角 25">
-            <a:extLst>
-              <a:ext uri="{FF2B5EF4-FFF2-40B4-BE49-F238E27FC236}">
-                <a16:creationId xmlns:a16="http://schemas.microsoft.com/office/drawing/2014/main" id="{0C988999-BDF8-423F-9867-AB98087EA7B6}"/>
-              </a:ext>
-            </a:extLst>
-          </p:cNvPr>
-          <p:cNvSpPr/>
-          <p:nvPr/>
-        </p:nvSpPr>
-        <p:spPr>
-          <a:xfrm>
-            <a:off x="2570818" y="1254707"/>
-            <a:ext cx="2051982" cy="576000"/>
-          </a:xfrm>
-          <a:prstGeom prst="roundRect">
-            <a:avLst/>
-          </a:prstGeom>
-          <a:solidFill>
-            <a:schemeClr val="bg1">
-              <a:lumMod val="95000"/>
-            </a:schemeClr>
-          </a:solidFill>
-          <a:ln>
-            <a:solidFill>
-              <a:schemeClr val="tx1"/>
-            </a:solidFill>
-          </a:ln>
-        </p:spPr>
-        <p:style>
-          <a:lnRef idx="2">
-            <a:schemeClr val="accent1">
-              <a:shade val="50000"/>
-            </a:schemeClr>
-          </a:lnRef>
-          <a:fillRef idx="1">
-            <a:schemeClr val="accent1"/>
-          </a:fillRef>
-          <a:effectRef idx="0">
-            <a:schemeClr val="accent1"/>
-          </a:effectRef>
-          <a:fontRef idx="minor">
-            <a:schemeClr val="lt1"/>
-          </a:fontRef>
-        </p:style>
-        <p:txBody>
-          <a:bodyPr wrap="none" lIns="36000" tIns="36000" rIns="36000" bIns="36000" rtlCol="0" anchor="ctr" anchorCtr="0"/>
-          <a:lstStyle/>
-          <a:p>
-            <a:pPr algn="ctr"/>
-            <a:r>
-              <a:rPr lang="zh-CN" altLang="en-US" sz="1600" b="1">
-                <a:solidFill>
-                  <a:schemeClr val="tx1"/>
-                </a:solidFill>
-                <a:latin typeface="微软雅黑" panose="020B0503020204020204" pitchFamily="34" charset="-122"/>
-                <a:ea typeface="微软雅黑" panose="020B0503020204020204" pitchFamily="34" charset="-122"/>
-              </a:rPr>
-              <a:t>逝者生平表</a:t>
-            </a:r>
-            <a:endParaRPr lang="en-US" altLang="zh-CN" sz="1600" b="1">
-              <a:solidFill>
-                <a:schemeClr val="tx1"/>
-              </a:solidFill>
-              <a:latin typeface="微软雅黑" panose="020B0503020204020204" pitchFamily="34" charset="-122"/>
-              <a:ea typeface="微软雅黑" panose="020B0503020204020204" pitchFamily="34" charset="-122"/>
-            </a:endParaRPr>
-          </a:p>
-          <a:p>
-            <a:pPr algn="ctr"/>
-            <a:r>
-              <a:rPr lang="en-US" altLang="zh-CN" sz="1600" b="1">
-                <a:solidFill>
-                  <a:schemeClr val="tx1"/>
-                </a:solidFill>
-                <a:latin typeface="微软雅黑" panose="020B0503020204020204" pitchFamily="34" charset="-122"/>
-                <a:ea typeface="微软雅黑" panose="020B0503020204020204" pitchFamily="34" charset="-122"/>
-              </a:rPr>
-              <a:t>the_dead_history</a:t>
-            </a:r>
-            <a:endParaRPr lang="zh-CN" altLang="en-US" sz="1600" b="1">
-              <a:solidFill>
-                <a:schemeClr val="tx1"/>
-              </a:solidFill>
-              <a:latin typeface="微软雅黑" panose="020B0503020204020204" pitchFamily="34" charset="-122"/>
-              <a:ea typeface="微软雅黑" panose="020B0503020204020204" pitchFamily="34" charset="-122"/>
-            </a:endParaRPr>
-          </a:p>
-        </p:txBody>
-      </p:sp>
-      <p:sp>
-        <p:nvSpPr>
-          <p:cNvPr id="27" name="矩形: 圆角 26">
-            <a:extLst>
-              <a:ext uri="{FF2B5EF4-FFF2-40B4-BE49-F238E27FC236}">
-                <a16:creationId xmlns:a16="http://schemas.microsoft.com/office/drawing/2014/main" id="{0E576498-3228-4F83-808A-B233A5545944}"/>
-              </a:ext>
-            </a:extLst>
-          </p:cNvPr>
-          <p:cNvSpPr/>
-          <p:nvPr/>
-        </p:nvSpPr>
-        <p:spPr>
-          <a:xfrm>
-            <a:off x="2570818" y="1829459"/>
-            <a:ext cx="2051982" cy="913741"/>
-          </a:xfrm>
-          <a:prstGeom prst="roundRect">
-            <a:avLst>
-              <a:gd name="adj" fmla="val 5494"/>
-            </a:avLst>
-          </a:prstGeom>
-          <a:noFill/>
-          <a:ln>
-            <a:solidFill>
-              <a:schemeClr val="tx2"/>
-            </a:solidFill>
-            <a:prstDash val="dash"/>
-          </a:ln>
-        </p:spPr>
-        <p:style>
-          <a:lnRef idx="2">
-            <a:schemeClr val="accent1">
-              <a:shade val="50000"/>
-            </a:schemeClr>
-          </a:lnRef>
-          <a:fillRef idx="1">
-            <a:schemeClr val="accent1"/>
-          </a:fillRef>
-          <a:effectRef idx="0">
-            <a:schemeClr val="accent1"/>
-          </a:effectRef>
-          <a:fontRef idx="minor">
-            <a:schemeClr val="lt1"/>
-          </a:fontRef>
-        </p:style>
-        <p:txBody>
-          <a:bodyPr rtlCol="0" anchor="b" anchorCtr="0"/>
-          <a:lstStyle/>
-          <a:p>
-            <a:r>
-              <a:rPr lang="zh-CN" altLang="en-US" sz="1200" b="1">
-                <a:solidFill>
-                  <a:schemeClr val="tx1"/>
-                </a:solidFill>
-                <a:latin typeface="微软雅黑" panose="020B0503020204020204" pitchFamily="34" charset="-122"/>
-                <a:ea typeface="微软雅黑" panose="020B0503020204020204" pitchFamily="34" charset="-122"/>
-              </a:rPr>
-              <a:t>历史</a:t>
-            </a:r>
-            <a:r>
-              <a:rPr lang="en-US" altLang="zh-CN" sz="1200" b="1">
-                <a:solidFill>
-                  <a:schemeClr val="tx1"/>
-                </a:solidFill>
-                <a:latin typeface="微软雅黑" panose="020B0503020204020204" pitchFamily="34" charset="-122"/>
-                <a:ea typeface="微软雅黑" panose="020B0503020204020204" pitchFamily="34" charset="-122"/>
-              </a:rPr>
-              <a:t>id</a:t>
-            </a:r>
-          </a:p>
-          <a:p>
-            <a:r>
-              <a:rPr lang="zh-CN" altLang="en-US" sz="1200" b="1">
-                <a:solidFill>
-                  <a:schemeClr val="tx1"/>
-                </a:solidFill>
-                <a:latin typeface="微软雅黑" panose="020B0503020204020204" pitchFamily="34" charset="-122"/>
-                <a:ea typeface="微软雅黑" panose="020B0503020204020204" pitchFamily="34" charset="-122"/>
-              </a:rPr>
-              <a:t>逝者</a:t>
-            </a:r>
-            <a:r>
-              <a:rPr lang="en-US" altLang="zh-CN" sz="1200" b="1">
-                <a:solidFill>
-                  <a:schemeClr val="tx1"/>
-                </a:solidFill>
-                <a:latin typeface="微软雅黑" panose="020B0503020204020204" pitchFamily="34" charset="-122"/>
-                <a:ea typeface="微软雅黑" panose="020B0503020204020204" pitchFamily="34" charset="-122"/>
-              </a:rPr>
-              <a:t>id</a:t>
-            </a:r>
-          </a:p>
-          <a:p>
-            <a:r>
-              <a:rPr lang="zh-CN" altLang="en-US" sz="1200" b="1">
-                <a:solidFill>
-                  <a:schemeClr val="tx1"/>
-                </a:solidFill>
-                <a:latin typeface="微软雅黑" panose="020B0503020204020204" pitchFamily="34" charset="-122"/>
-                <a:ea typeface="微软雅黑" panose="020B0503020204020204" pitchFamily="34" charset="-122"/>
-              </a:rPr>
-              <a:t>年月</a:t>
-            </a:r>
-            <a:endParaRPr lang="en-US" altLang="zh-CN" sz="1200" b="1">
-              <a:solidFill>
-                <a:schemeClr val="tx1"/>
-              </a:solidFill>
-              <a:latin typeface="微软雅黑" panose="020B0503020204020204" pitchFamily="34" charset="-122"/>
-              <a:ea typeface="微软雅黑" panose="020B0503020204020204" pitchFamily="34" charset="-122"/>
-            </a:endParaRPr>
-          </a:p>
-          <a:p>
-            <a:r>
-              <a:rPr lang="zh-CN" altLang="en-US" sz="1200" b="1">
-                <a:solidFill>
-                  <a:schemeClr val="tx1"/>
-                </a:solidFill>
-                <a:latin typeface="微软雅黑" panose="020B0503020204020204" pitchFamily="34" charset="-122"/>
-                <a:ea typeface="微软雅黑" panose="020B0503020204020204" pitchFamily="34" charset="-122"/>
-              </a:rPr>
-              <a:t>内容</a:t>
             </a:r>
             <a:endParaRPr lang="en-US" altLang="zh-CN" sz="1200" b="1">
               <a:solidFill>
